--- a/lectures/12/1_multiple_regression.pptx
+++ b/lectures/12/1_multiple_regression.pptx
@@ -242,7 +242,7 @@
           <a:p>
             <a:fld id="{73B2889B-A0AC-4482-8592-5C96F2309420}" type="datetimeFigureOut">
               <a:rPr lang="en-US" smtClean="0"/>
-              <a:t>4/10/2022</a:t>
+              <a:t>4/9/2023</a:t>
             </a:fld>
             <a:endParaRPr lang="en-US"/>
           </a:p>
@@ -419,7 +419,7 @@
           <a:p>
             <a:fld id="{830EB223-FFC0-462A-A3B8-EAA7CE0F8CBD}" type="datetimeFigureOut">
               <a:rPr lang="en-US" smtClean="0"/>
-              <a:t>4/10/2022</a:t>
+              <a:t>4/9/2023</a:t>
             </a:fld>
             <a:endParaRPr lang="en-US" dirty="0"/>
           </a:p>
@@ -5926,7 +5926,7 @@
           <a:p>
             <a:fld id="{461436DF-F24E-48E3-BE9F-68AFE2C6589C}" type="datetime1">
               <a:rPr lang="en-US" smtClean="0"/>
-              <a:t>4/10/2022</a:t>
+              <a:t>4/9/2023</a:t>
             </a:fld>
             <a:endParaRPr lang="en-US" dirty="0"/>
           </a:p>
@@ -6128,7 +6128,7 @@
           <a:p>
             <a:fld id="{CD9681C5-637A-43AB-A7C4-E7DFC89EBD58}" type="datetime1">
               <a:rPr lang="en-US" smtClean="0"/>
-              <a:t>4/10/2022</a:t>
+              <a:t>4/9/2023</a:t>
             </a:fld>
             <a:endParaRPr lang="en-US" dirty="0"/>
           </a:p>
@@ -6340,7 +6340,7 @@
           <a:p>
             <a:fld id="{4742C380-EB37-4688-ACA2-A268C2AE5967}" type="datetime1">
               <a:rPr lang="en-US" smtClean="0"/>
-              <a:t>4/10/2022</a:t>
+              <a:t>4/9/2023</a:t>
             </a:fld>
             <a:endParaRPr lang="en-US" dirty="0"/>
           </a:p>
@@ -6564,7 +6564,7 @@
           <a:p>
             <a:fld id="{DECF21A4-E71B-4D3A-AF45-E989C23A7BB1}" type="datetimeFigureOut">
               <a:rPr lang="en-US" smtClean="0"/>
-              <a:t>4/10/2022</a:t>
+              <a:t>4/9/2023</a:t>
             </a:fld>
             <a:endParaRPr lang="en-US" dirty="0"/>
           </a:p>
@@ -6762,7 +6762,7 @@
           <a:p>
             <a:fld id="{DECF21A4-E71B-4D3A-AF45-E989C23A7BB1}" type="datetimeFigureOut">
               <a:rPr lang="en-US" smtClean="0"/>
-              <a:t>4/10/2022</a:t>
+              <a:t>4/9/2023</a:t>
             </a:fld>
             <a:endParaRPr lang="en-US" dirty="0"/>
           </a:p>
@@ -7037,7 +7037,7 @@
           <a:p>
             <a:fld id="{DECF21A4-E71B-4D3A-AF45-E989C23A7BB1}" type="datetimeFigureOut">
               <a:rPr lang="en-US" smtClean="0"/>
-              <a:t>4/10/2022</a:t>
+              <a:t>4/9/2023</a:t>
             </a:fld>
             <a:endParaRPr lang="en-US" dirty="0"/>
           </a:p>
@@ -7302,7 +7302,7 @@
           <a:p>
             <a:fld id="{DECF21A4-E71B-4D3A-AF45-E989C23A7BB1}" type="datetimeFigureOut">
               <a:rPr lang="en-US" smtClean="0"/>
-              <a:t>4/10/2022</a:t>
+              <a:t>4/9/2023</a:t>
             </a:fld>
             <a:endParaRPr lang="en-US" dirty="0"/>
           </a:p>
@@ -7714,7 +7714,7 @@
           <a:p>
             <a:fld id="{DECF21A4-E71B-4D3A-AF45-E989C23A7BB1}" type="datetimeFigureOut">
               <a:rPr lang="en-US" smtClean="0"/>
-              <a:t>4/10/2022</a:t>
+              <a:t>4/9/2023</a:t>
             </a:fld>
             <a:endParaRPr lang="en-US" dirty="0"/>
           </a:p>
@@ -7855,7 +7855,7 @@
           <a:p>
             <a:fld id="{DECF21A4-E71B-4D3A-AF45-E989C23A7BB1}" type="datetimeFigureOut">
               <a:rPr lang="en-US" smtClean="0"/>
-              <a:t>4/10/2022</a:t>
+              <a:t>4/9/2023</a:t>
             </a:fld>
             <a:endParaRPr lang="en-US" dirty="0"/>
           </a:p>
@@ -7968,7 +7968,7 @@
           <a:p>
             <a:fld id="{DECF21A4-E71B-4D3A-AF45-E989C23A7BB1}" type="datetimeFigureOut">
               <a:rPr lang="en-US" smtClean="0"/>
-              <a:t>4/10/2022</a:t>
+              <a:t>4/9/2023</a:t>
             </a:fld>
             <a:endParaRPr lang="en-US" dirty="0"/>
           </a:p>
@@ -8279,7 +8279,7 @@
           <a:p>
             <a:fld id="{DECF21A4-E71B-4D3A-AF45-E989C23A7BB1}" type="datetimeFigureOut">
               <a:rPr lang="en-US" smtClean="0"/>
-              <a:t>4/10/2022</a:t>
+              <a:t>4/9/2023</a:t>
             </a:fld>
             <a:endParaRPr lang="en-US" dirty="0"/>
           </a:p>
@@ -8477,7 +8477,7 @@
           <a:p>
             <a:fld id="{601661FD-B672-4D8F-8356-4A12CA89AA63}" type="datetime1">
               <a:rPr lang="en-US" smtClean="0"/>
-              <a:t>4/10/2022</a:t>
+              <a:t>4/9/2023</a:t>
             </a:fld>
             <a:endParaRPr lang="en-US" dirty="0"/>
           </a:p>
@@ -8773,7 +8773,7 @@
           <a:p>
             <a:fld id="{DECF21A4-E71B-4D3A-AF45-E989C23A7BB1}" type="datetimeFigureOut">
               <a:rPr lang="en-US" smtClean="0"/>
-              <a:t>4/10/2022</a:t>
+              <a:t>4/9/2023</a:t>
             </a:fld>
             <a:endParaRPr lang="en-US" dirty="0"/>
           </a:p>
@@ -8971,7 +8971,7 @@
           <a:p>
             <a:fld id="{DECF21A4-E71B-4D3A-AF45-E989C23A7BB1}" type="datetimeFigureOut">
               <a:rPr lang="en-US" smtClean="0"/>
-              <a:t>4/10/2022</a:t>
+              <a:t>4/9/2023</a:t>
             </a:fld>
             <a:endParaRPr lang="en-US" dirty="0"/>
           </a:p>
@@ -9179,7 +9179,7 @@
           <a:p>
             <a:fld id="{DECF21A4-E71B-4D3A-AF45-E989C23A7BB1}" type="datetimeFigureOut">
               <a:rPr lang="en-US" smtClean="0"/>
-              <a:t>4/10/2022</a:t>
+              <a:t>4/9/2023</a:t>
             </a:fld>
             <a:endParaRPr lang="en-US" dirty="0"/>
           </a:p>
@@ -9454,7 +9454,7 @@
           <a:p>
             <a:fld id="{83037F5D-6B5E-445B-A7D6-D5272A907639}" type="datetime1">
               <a:rPr lang="en-US" smtClean="0"/>
-              <a:t>4/10/2022</a:t>
+              <a:t>4/9/2023</a:t>
             </a:fld>
             <a:endParaRPr lang="en-US" dirty="0"/>
           </a:p>
@@ -9723,7 +9723,7 @@
           <a:p>
             <a:fld id="{38AB59E4-EFCB-416B-8597-2977CD513C8F}" type="datetime1">
               <a:rPr lang="en-US" smtClean="0"/>
-              <a:t>4/10/2022</a:t>
+              <a:t>4/9/2023</a:t>
             </a:fld>
             <a:endParaRPr lang="en-US" dirty="0"/>
           </a:p>
@@ -10139,7 +10139,7 @@
           <a:p>
             <a:fld id="{744DE904-C2A5-4777-8FC5-B8D2FECC7571}" type="datetime1">
               <a:rPr lang="en-US" smtClean="0"/>
-              <a:t>4/10/2022</a:t>
+              <a:t>4/9/2023</a:t>
             </a:fld>
             <a:endParaRPr lang="en-US" dirty="0"/>
           </a:p>
@@ -10284,7 +10284,7 @@
           <a:p>
             <a:fld id="{56D6020D-AEF5-4548-AE67-C5782FBCD88A}" type="datetime1">
               <a:rPr lang="en-US" smtClean="0"/>
-              <a:t>4/10/2022</a:t>
+              <a:t>4/9/2023</a:t>
             </a:fld>
             <a:endParaRPr lang="en-US" dirty="0"/>
           </a:p>
@@ -10401,7 +10401,7 @@
           <a:p>
             <a:fld id="{CC1B33E5-E33B-4FE4-9AAB-74E67996C9CD}" type="datetime1">
               <a:rPr lang="en-US" smtClean="0"/>
-              <a:t>4/10/2022</a:t>
+              <a:t>4/9/2023</a:t>
             </a:fld>
             <a:endParaRPr lang="en-US" dirty="0"/>
           </a:p>
@@ -10716,7 +10716,7 @@
           <a:p>
             <a:fld id="{F38E6434-5ED1-4478-B475-B5D0455674B4}" type="datetime1">
               <a:rPr lang="en-US" smtClean="0"/>
-              <a:t>4/10/2022</a:t>
+              <a:t>4/9/2023</a:t>
             </a:fld>
             <a:endParaRPr lang="en-US" dirty="0"/>
           </a:p>
@@ -11012,7 +11012,7 @@
           <a:p>
             <a:fld id="{C60241AD-501F-4E01-AB37-27CC7835DE35}" type="datetime1">
               <a:rPr lang="en-US" smtClean="0"/>
-              <a:t>4/10/2022</a:t>
+              <a:t>4/9/2023</a:t>
             </a:fld>
             <a:endParaRPr lang="en-US" dirty="0"/>
           </a:p>
@@ -11257,7 +11257,7 @@
           <a:p>
             <a:fld id="{E8A74AA5-2820-462D-B05E-9F8E9E238163}" type="datetime1">
               <a:rPr lang="en-US" smtClean="0"/>
-              <a:t>4/10/2022</a:t>
+              <a:t>4/9/2023</a:t>
             </a:fld>
             <a:endParaRPr lang="en-US" dirty="0"/>
           </a:p>
@@ -11830,7 +11830,7 @@
           <a:p>
             <a:fld id="{DECF21A4-E71B-4D3A-AF45-E989C23A7BB1}" type="datetimeFigureOut">
               <a:rPr lang="en-US" smtClean="0"/>
-              <a:t>4/10/2022</a:t>
+              <a:t>4/9/2023</a:t>
             </a:fld>
             <a:endParaRPr lang="en-US" dirty="0"/>
           </a:p>
@@ -12381,14 +12381,14 @@
           <a:p>
             <a:pPr algn="l"/>
             <a:r>
-              <a:rPr lang="en-US"/>
-              <a:t>Take your name tag </a:t>
+              <a:rPr lang="en-US" dirty="0"/>
+              <a:t>Name tag </a:t>
             </a:r>
           </a:p>
           <a:p>
             <a:pPr algn="l"/>
             <a:r>
-              <a:rPr lang="en-US"/>
+              <a:rPr lang="en-US" dirty="0"/>
               <a:t>Check-in</a:t>
             </a:r>
           </a:p>
@@ -13191,7 +13191,7 @@
             <a:pPr lvl="1"/>
             <a:r>
               <a:rPr lang="en-US" sz="2200" dirty="0"/>
-              <a:t>Technically, Ordinal and Ordinal (e.g., logistic regression)</a:t>
+              <a:t>Technically, Nominal and Ordinal (e.g., logistic regression)</a:t>
             </a:r>
           </a:p>
           <a:p>
@@ -38642,6 +38642,15 @@
 </file>
 
 <file path=customXml/item1.xml><?xml version="1.0" encoding="utf-8"?>
+<?mso-contentType ?>
+<FormTemplates xmlns="http://schemas.microsoft.com/sharepoint/v3/contenttype/forms">
+  <Display>DocumentLibraryForm</Display>
+  <Edit>DocumentLibraryForm</Edit>
+  <New>DocumentLibraryForm</New>
+</FormTemplates>
+</file>
+
+<file path=customXml/item2.xml><?xml version="1.0" encoding="utf-8"?>
 <ct:contentTypeSchema xmlns:ct="http://schemas.microsoft.com/office/2006/metadata/contentType" xmlns:ma="http://schemas.microsoft.com/office/2006/metadata/properties/metaAttributes" ct:_="" ma:_="" ma:contentTypeName="Document" ma:contentTypeID="0x01010079F111ED35F8CC479449609E8A0923A6" ma:contentTypeVersion="11" ma:contentTypeDescription="Create a new document." ma:contentTypeScope="" ma:versionID="96291512c1ee715ab617f4c07df79fc1">
   <xsd:schema xmlns:xsd="http://www.w3.org/2001/XMLSchema" xmlns:xs="http://www.w3.org/2001/XMLSchema" xmlns:p="http://schemas.microsoft.com/office/2006/metadata/properties" xmlns:ns2="71af3243-3dd4-4a8d-8c0d-dd76da1f02a5" xmlns:ns3="16c05727-aa75-4e4a-9b5f-8a80a1165891" targetNamespace="http://schemas.microsoft.com/office/2006/metadata/properties" ma:root="true" ma:fieldsID="8256c27c40ca5c40ce1cf6c44f0205df" ns2:_="" ns3:_="">
     <xsd:import namespace="71af3243-3dd4-4a8d-8c0d-dd76da1f02a5"/>
@@ -38852,15 +38861,6 @@
 </ct:contentTypeSchema>
 </file>
 
-<file path=customXml/item2.xml><?xml version="1.0" encoding="utf-8"?>
-<?mso-contentType ?>
-<FormTemplates xmlns="http://schemas.microsoft.com/sharepoint/v3/contenttype/forms">
-  <Display>DocumentLibraryForm</Display>
-  <Edit>DocumentLibraryForm</Edit>
-  <New>DocumentLibraryForm</New>
-</FormTemplates>
-</file>
-
 <file path=customXml/item3.xml><?xml version="1.0" encoding="utf-8"?>
 <p:properties xmlns:p="http://schemas.microsoft.com/office/2006/metadata/properties" xmlns:xsi="http://www.w3.org/2001/XMLSchema-instance" xmlns:pc="http://schemas.microsoft.com/office/infopath/2007/PartnerControls">
   <documentManagement>
@@ -38870,6 +38870,14 @@
 </file>
 
 <file path=customXml/itemProps1.xml><?xml version="1.0" encoding="utf-8"?>
+<ds:datastoreItem xmlns:ds="http://schemas.openxmlformats.org/officeDocument/2006/customXml" ds:itemID="{5CA875DA-F9FD-4F83-A049-3B1027B542DE}">
+  <ds:schemaRefs>
+    <ds:schemaRef ds:uri="http://schemas.microsoft.com/sharepoint/v3/contenttype/forms"/>
+  </ds:schemaRefs>
+</ds:datastoreItem>
+</file>
+
+<file path=customXml/itemProps2.xml><?xml version="1.0" encoding="utf-8"?>
 <ds:datastoreItem xmlns:ds="http://schemas.openxmlformats.org/officeDocument/2006/customXml" ds:itemID="{B2AB02E3-5ADF-4BF0-9C1B-35CDF3FE95B0}">
   <ds:schemaRefs>
     <ds:schemaRef ds:uri="http://schemas.microsoft.com/office/2006/metadata/contentType"/>
@@ -38888,14 +38896,6 @@
 </ds:datastoreItem>
 </file>
 
-<file path=customXml/itemProps2.xml><?xml version="1.0" encoding="utf-8"?>
-<ds:datastoreItem xmlns:ds="http://schemas.openxmlformats.org/officeDocument/2006/customXml" ds:itemID="{5CA875DA-F9FD-4F83-A049-3B1027B542DE}">
-  <ds:schemaRefs>
-    <ds:schemaRef ds:uri="http://schemas.microsoft.com/sharepoint/v3/contenttype/forms"/>
-  </ds:schemaRefs>
-</ds:datastoreItem>
-</file>
-
 <file path=customXml/itemProps3.xml><?xml version="1.0" encoding="utf-8"?>
 <ds:datastoreItem xmlns:ds="http://schemas.openxmlformats.org/officeDocument/2006/customXml" ds:itemID="{03C7D9E6-B0D9-433E-BD46-EB60F64F4DA8}">
   <ds:schemaRefs>
